--- a/productivity.pptx
+++ b/productivity.pptx
@@ -536,7 +536,21 @@
             </a:pPr>
             <a:r>
               <a:rPr/>
-              <a:t>Productivity is possibly the most misunderstood economic indicator, but simultaneously one of the most spoken about. The newly elected government has set its focus on productivity, and productivity growth, and has got the Productivity Commission in on the action.</a:t>
+              <a:t>We need to understand productivity - how it’s measured, and how bosses talk about it - because it is simultaneously misunderstood and over-emphasised in the media.</a:t>
+            </a:r>
+          </a:p>
+          <a:p>
+            <a:pPr lvl="0" indent="0" marL="0">
+              <a:buNone/>
+            </a:pPr>
+          </a:p>
+          <a:p>
+            <a:pPr lvl="0" indent="0" marL="0">
+              <a:buNone/>
+            </a:pPr>
+            <a:r>
+              <a:rPr/>
+              <a:t>The newly elected government has set its focus on productivity, and productivity growth, and has got the Productivity Commission in on the action.</a:t>
             </a:r>
           </a:p>
           <a:p>
